--- a/topic10/talk-2/Promises.pptx
+++ b/topic10/talk-2/Promises.pptx
@@ -5,26 +5,25 @@
     <p:sldMasterId id="2147483660" r:id="rId1"/>
   </p:sldMasterIdLst>
   <p:notesMasterIdLst>
-    <p:notesMasterId r:id="rId19"/>
+    <p:notesMasterId r:id="rId18"/>
   </p:notesMasterIdLst>
   <p:sldIdLst>
     <p:sldId id="256" r:id="rId2"/>
-    <p:sldId id="291" r:id="rId3"/>
-    <p:sldId id="257" r:id="rId4"/>
-    <p:sldId id="293" r:id="rId5"/>
-    <p:sldId id="259" r:id="rId6"/>
-    <p:sldId id="292" r:id="rId7"/>
-    <p:sldId id="264" r:id="rId8"/>
-    <p:sldId id="280" r:id="rId9"/>
-    <p:sldId id="275" r:id="rId10"/>
-    <p:sldId id="285" r:id="rId11"/>
-    <p:sldId id="294" r:id="rId12"/>
-    <p:sldId id="289" r:id="rId13"/>
-    <p:sldId id="286" r:id="rId14"/>
-    <p:sldId id="290" r:id="rId15"/>
-    <p:sldId id="279" r:id="rId16"/>
-    <p:sldId id="282" r:id="rId17"/>
-    <p:sldId id="265" r:id="rId18"/>
+    <p:sldId id="257" r:id="rId3"/>
+    <p:sldId id="293" r:id="rId4"/>
+    <p:sldId id="259" r:id="rId5"/>
+    <p:sldId id="292" r:id="rId6"/>
+    <p:sldId id="264" r:id="rId7"/>
+    <p:sldId id="280" r:id="rId8"/>
+    <p:sldId id="275" r:id="rId9"/>
+    <p:sldId id="285" r:id="rId10"/>
+    <p:sldId id="294" r:id="rId11"/>
+    <p:sldId id="289" r:id="rId12"/>
+    <p:sldId id="286" r:id="rId13"/>
+    <p:sldId id="290" r:id="rId14"/>
+    <p:sldId id="279" r:id="rId15"/>
+    <p:sldId id="282" r:id="rId16"/>
+    <p:sldId id="265" r:id="rId17"/>
   </p:sldIdLst>
   <p:sldSz cx="12192000" cy="6858000"/>
   <p:notesSz cx="6858000" cy="9144000"/>
@@ -573,7 +572,7 @@
           <a:p>
             <a:fld id="{AC59861C-F775-4B5F-9B70-510B0352620E}" type="slidenum">
               <a:rPr lang="en-IE" smtClean="0"/>
-              <a:t>6</a:t>
+              <a:t>5</a:t>
             </a:fld>
             <a:endParaRPr lang="en-IE"/>
           </a:p>
@@ -3701,293 +3700,6 @@
           <p:cNvPr id="2" name="Title 1">
             <a:extLst>
               <a:ext uri="{FF2B5EF4-FFF2-40B4-BE49-F238E27FC236}">
-                <a16:creationId xmlns:a16="http://schemas.microsoft.com/office/drawing/2014/main" id="{11ED0235-D0E2-40A5-9293-06166D553900}"/>
-              </a:ext>
-            </a:extLst>
-          </p:cNvPr>
-          <p:cNvSpPr>
-            <a:spLocks noGrp="1"/>
-          </p:cNvSpPr>
-          <p:nvPr>
-            <p:ph type="title"/>
-          </p:nvPr>
-        </p:nvSpPr>
-        <p:spPr/>
-        <p:txBody>
-          <a:bodyPr/>
-          <a:lstStyle/>
-          <a:p>
-            <a:r>
-              <a:rPr lang="en-IE" dirty="0"/>
-              <a:t>Async/Await Sequential read</a:t>
-            </a:r>
-          </a:p>
-        </p:txBody>
-      </p:sp>
-      <p:pic>
-        <p:nvPicPr>
-          <p:cNvPr id="4" name="Picture 3">
-            <a:extLst>
-              <a:ext uri="{FF2B5EF4-FFF2-40B4-BE49-F238E27FC236}">
-                <a16:creationId xmlns:a16="http://schemas.microsoft.com/office/drawing/2014/main" id="{E2A15125-516B-4B1F-BBCB-2346467E3CB3}"/>
-              </a:ext>
-            </a:extLst>
-          </p:cNvPr>
-          <p:cNvPicPr>
-            <a:picLocks noChangeAspect="1"/>
-          </p:cNvPicPr>
-          <p:nvPr/>
-        </p:nvPicPr>
-        <p:blipFill>
-          <a:blip r:embed="rId2"/>
-          <a:stretch>
-            <a:fillRect/>
-          </a:stretch>
-        </p:blipFill>
-        <p:spPr>
-          <a:xfrm>
-            <a:off x="117764" y="1690688"/>
-            <a:ext cx="8687066" cy="4857605"/>
-          </a:xfrm>
-          <a:prstGeom prst="rect">
-            <a:avLst/>
-          </a:prstGeom>
-        </p:spPr>
-      </p:pic>
-      <p:pic>
-        <p:nvPicPr>
-          <p:cNvPr id="5" name="Picture 4">
-            <a:extLst>
-              <a:ext uri="{FF2B5EF4-FFF2-40B4-BE49-F238E27FC236}">
-                <a16:creationId xmlns:a16="http://schemas.microsoft.com/office/drawing/2014/main" id="{89F86DEB-DFE5-489D-8E28-B06E1BC95A4B}"/>
-              </a:ext>
-            </a:extLst>
-          </p:cNvPr>
-          <p:cNvPicPr>
-            <a:picLocks noChangeAspect="1"/>
-          </p:cNvPicPr>
-          <p:nvPr/>
-        </p:nvPicPr>
-        <p:blipFill rotWithShape="1">
-          <a:blip r:embed="rId3"/>
-          <a:srcRect r="51606"/>
-          <a:stretch/>
-        </p:blipFill>
-        <p:spPr>
-          <a:xfrm>
-            <a:off x="9778711" y="2806844"/>
-            <a:ext cx="2295525" cy="2352675"/>
-          </a:xfrm>
-          <a:prstGeom prst="rect">
-            <a:avLst/>
-          </a:prstGeom>
-        </p:spPr>
-      </p:pic>
-      <p:sp>
-        <p:nvSpPr>
-          <p:cNvPr id="6" name="Arrow: Right 5">
-            <a:extLst>
-              <a:ext uri="{FF2B5EF4-FFF2-40B4-BE49-F238E27FC236}">
-                <a16:creationId xmlns:a16="http://schemas.microsoft.com/office/drawing/2014/main" id="{DFBDE435-B482-4D48-B55E-6EB07E7657D2}"/>
-              </a:ext>
-            </a:extLst>
-          </p:cNvPr>
-          <p:cNvSpPr/>
-          <p:nvPr/>
-        </p:nvSpPr>
-        <p:spPr>
-          <a:xfrm>
-            <a:off x="8456815" y="3345873"/>
-            <a:ext cx="1321896" cy="1143000"/>
-          </a:xfrm>
-          <a:prstGeom prst="rightArrow">
-            <a:avLst/>
-          </a:prstGeom>
-        </p:spPr>
-        <p:style>
-          <a:lnRef idx="2">
-            <a:schemeClr val="accent1">
-              <a:shade val="50000"/>
-            </a:schemeClr>
-          </a:lnRef>
-          <a:fillRef idx="1">
-            <a:schemeClr val="accent1"/>
-          </a:fillRef>
-          <a:effectRef idx="0">
-            <a:schemeClr val="accent1"/>
-          </a:effectRef>
-          <a:fontRef idx="minor">
-            <a:schemeClr val="lt1"/>
-          </a:fontRef>
-        </p:style>
-        <p:txBody>
-          <a:bodyPr rtlCol="0" anchor="ctr"/>
-          <a:lstStyle/>
-          <a:p>
-            <a:pPr algn="ctr"/>
-            <a:r>
-              <a:rPr lang="en-IE" dirty="0"/>
-              <a:t>output</a:t>
-            </a:r>
-          </a:p>
-        </p:txBody>
-      </p:sp>
-    </p:spTree>
-    <p:extLst>
-      <p:ext uri="{BB962C8B-B14F-4D97-AF65-F5344CB8AC3E}">
-        <p14:creationId xmlns:p14="http://schemas.microsoft.com/office/powerpoint/2010/main" val="862183741"/>
-      </p:ext>
-    </p:extLst>
-  </p:cSld>
-  <p:clrMapOvr>
-    <a:masterClrMapping/>
-  </p:clrMapOvr>
-  <p:timing>
-    <p:tnLst>
-      <p:par>
-        <p:cTn id="1" dur="indefinite" restart="never" nodeType="tmRoot">
-          <p:childTnLst>
-            <p:seq concurrent="1" nextAc="seek">
-              <p:cTn id="2" dur="indefinite" nodeType="mainSeq">
-                <p:childTnLst>
-                  <p:par>
-                    <p:cTn id="3" fill="hold">
-                      <p:stCondLst>
-                        <p:cond delay="indefinite"/>
-                      </p:stCondLst>
-                      <p:childTnLst>
-                        <p:par>
-                          <p:cTn id="4" fill="hold">
-                            <p:stCondLst>
-                              <p:cond delay="0"/>
-                            </p:stCondLst>
-                            <p:childTnLst>
-                              <p:par>
-                                <p:cTn id="5" presetID="10" presetClass="entr" presetSubtype="0" fill="hold" grpId="0" nodeType="clickEffect">
-                                  <p:stCondLst>
-                                    <p:cond delay="0"/>
-                                  </p:stCondLst>
-                                  <p:childTnLst>
-                                    <p:set>
-                                      <p:cBhvr>
-                                        <p:cTn id="6" dur="1" fill="hold">
-                                          <p:stCondLst>
-                                            <p:cond delay="0"/>
-                                          </p:stCondLst>
-                                        </p:cTn>
-                                        <p:tgtEl>
-                                          <p:spTgt spid="6"/>
-                                        </p:tgtEl>
-                                        <p:attrNameLst>
-                                          <p:attrName>style.visibility</p:attrName>
-                                        </p:attrNameLst>
-                                      </p:cBhvr>
-                                      <p:to>
-                                        <p:strVal val="visible"/>
-                                      </p:to>
-                                    </p:set>
-                                    <p:animEffect transition="in" filter="fade">
-                                      <p:cBhvr>
-                                        <p:cTn id="7" dur="500"/>
-                                        <p:tgtEl>
-                                          <p:spTgt spid="6"/>
-                                        </p:tgtEl>
-                                      </p:cBhvr>
-                                    </p:animEffect>
-                                  </p:childTnLst>
-                                </p:cTn>
-                              </p:par>
-                              <p:par>
-                                <p:cTn id="8" presetID="10" presetClass="entr" presetSubtype="0" fill="hold" nodeType="withEffect">
-                                  <p:stCondLst>
-                                    <p:cond delay="0"/>
-                                  </p:stCondLst>
-                                  <p:childTnLst>
-                                    <p:set>
-                                      <p:cBhvr>
-                                        <p:cTn id="9" dur="1" fill="hold">
-                                          <p:stCondLst>
-                                            <p:cond delay="0"/>
-                                          </p:stCondLst>
-                                        </p:cTn>
-                                        <p:tgtEl>
-                                          <p:spTgt spid="5"/>
-                                        </p:tgtEl>
-                                        <p:attrNameLst>
-                                          <p:attrName>style.visibility</p:attrName>
-                                        </p:attrNameLst>
-                                      </p:cBhvr>
-                                      <p:to>
-                                        <p:strVal val="visible"/>
-                                      </p:to>
-                                    </p:set>
-                                    <p:animEffect transition="in" filter="fade">
-                                      <p:cBhvr>
-                                        <p:cTn id="10" dur="500"/>
-                                        <p:tgtEl>
-                                          <p:spTgt spid="5"/>
-                                        </p:tgtEl>
-                                      </p:cBhvr>
-                                    </p:animEffect>
-                                  </p:childTnLst>
-                                </p:cTn>
-                              </p:par>
-                            </p:childTnLst>
-                          </p:cTn>
-                        </p:par>
-                      </p:childTnLst>
-                    </p:cTn>
-                  </p:par>
-                </p:childTnLst>
-              </p:cTn>
-              <p:prevCondLst>
-                <p:cond evt="onPrev" delay="0">
-                  <p:tgtEl>
-                    <p:sldTgt/>
-                  </p:tgtEl>
-                </p:cond>
-              </p:prevCondLst>
-              <p:nextCondLst>
-                <p:cond evt="onNext" delay="0">
-                  <p:tgtEl>
-                    <p:sldTgt/>
-                  </p:tgtEl>
-                </p:cond>
-              </p:nextCondLst>
-            </p:seq>
-          </p:childTnLst>
-        </p:cTn>
-      </p:par>
-    </p:tnLst>
-    <p:bldLst>
-      <p:bldP spid="6" grpId="0" animBg="1"/>
-    </p:bldLst>
-  </p:timing>
-</p:sld>
-</file>
-
-<file path=ppt/slides/slide11.xml><?xml version="1.0" encoding="utf-8"?>
-<p:sld xmlns:a="http://schemas.openxmlformats.org/drawingml/2006/main" xmlns:r="http://schemas.openxmlformats.org/officeDocument/2006/relationships" xmlns:p="http://schemas.openxmlformats.org/presentationml/2006/main">
-  <p:cSld>
-    <p:spTree>
-      <p:nvGrpSpPr>
-        <p:cNvPr id="1" name=""/>
-        <p:cNvGrpSpPr/>
-        <p:nvPr/>
-      </p:nvGrpSpPr>
-      <p:grpSpPr>
-        <a:xfrm>
-          <a:off x="0" y="0"/>
-          <a:ext cx="0" cy="0"/>
-          <a:chOff x="0" y="0"/>
-          <a:chExt cx="0" cy="0"/>
-        </a:xfrm>
-      </p:grpSpPr>
-      <p:sp>
-        <p:nvSpPr>
-          <p:cNvPr id="2" name="Title 1">
-            <a:extLst>
-              <a:ext uri="{FF2B5EF4-FFF2-40B4-BE49-F238E27FC236}">
                 <a16:creationId xmlns:a16="http://schemas.microsoft.com/office/drawing/2014/main" id="{55AF3F07-545C-4703-A56C-ADE89AD5DC9E}"/>
               </a:ext>
             </a:extLst>
@@ -4162,6 +3874,89 @@
     <p:extLst>
       <p:ext uri="{BB962C8B-B14F-4D97-AF65-F5344CB8AC3E}">
         <p14:creationId xmlns:p14="http://schemas.microsoft.com/office/powerpoint/2010/main" val="1707051283"/>
+      </p:ext>
+    </p:extLst>
+  </p:cSld>
+  <p:clrMapOvr>
+    <a:masterClrMapping/>
+  </p:clrMapOvr>
+</p:sld>
+</file>
+
+<file path=ppt/slides/slide11.xml><?xml version="1.0" encoding="utf-8"?>
+<p:sld xmlns:a="http://schemas.openxmlformats.org/drawingml/2006/main" xmlns:r="http://schemas.openxmlformats.org/officeDocument/2006/relationships" xmlns:p="http://schemas.openxmlformats.org/presentationml/2006/main">
+  <p:cSld>
+    <p:spTree>
+      <p:nvGrpSpPr>
+        <p:cNvPr id="1" name=""/>
+        <p:cNvGrpSpPr/>
+        <p:nvPr/>
+      </p:nvGrpSpPr>
+      <p:grpSpPr>
+        <a:xfrm>
+          <a:off x="0" y="0"/>
+          <a:ext cx="0" cy="0"/>
+          <a:chOff x="0" y="0"/>
+          <a:chExt cx="0" cy="0"/>
+        </a:xfrm>
+      </p:grpSpPr>
+      <p:sp>
+        <p:nvSpPr>
+          <p:cNvPr id="2" name="Title 1">
+            <a:extLst>
+              <a:ext uri="{FF2B5EF4-FFF2-40B4-BE49-F238E27FC236}">
+                <a16:creationId xmlns:a16="http://schemas.microsoft.com/office/drawing/2014/main" id="{1AA31863-A42E-444E-8370-844089BDA606}"/>
+              </a:ext>
+            </a:extLst>
+          </p:cNvPr>
+          <p:cNvSpPr>
+            <a:spLocks noGrp="1"/>
+          </p:cNvSpPr>
+          <p:nvPr>
+            <p:ph type="title"/>
+          </p:nvPr>
+        </p:nvSpPr>
+        <p:spPr/>
+        <p:txBody>
+          <a:bodyPr/>
+          <a:lstStyle/>
+          <a:p>
+            <a:r>
+              <a:rPr lang="en-IE" dirty="0"/>
+              <a:t>Error Handling</a:t>
+            </a:r>
+          </a:p>
+        </p:txBody>
+      </p:sp>
+      <p:sp>
+        <p:nvSpPr>
+          <p:cNvPr id="3" name="Text Placeholder 2">
+            <a:extLst>
+              <a:ext uri="{FF2B5EF4-FFF2-40B4-BE49-F238E27FC236}">
+                <a16:creationId xmlns:a16="http://schemas.microsoft.com/office/drawing/2014/main" id="{81588643-D99B-4E0B-88A4-4D568B3B3B4C}"/>
+              </a:ext>
+            </a:extLst>
+          </p:cNvPr>
+          <p:cNvSpPr>
+            <a:spLocks noGrp="1"/>
+          </p:cNvSpPr>
+          <p:nvPr>
+            <p:ph type="body" idx="1"/>
+          </p:nvPr>
+        </p:nvSpPr>
+        <p:spPr/>
+        <p:txBody>
+          <a:bodyPr/>
+          <a:lstStyle/>
+          <a:p>
+            <a:endParaRPr lang="en-IE"/>
+          </a:p>
+        </p:txBody>
+      </p:sp>
+    </p:spTree>
+    <p:extLst>
+      <p:ext uri="{BB962C8B-B14F-4D97-AF65-F5344CB8AC3E}">
+        <p14:creationId xmlns:p14="http://schemas.microsoft.com/office/powerpoint/2010/main" val="3459323563"/>
       </p:ext>
     </p:extLst>
   </p:cSld>
@@ -4193,7 +3988,7 @@
           <p:cNvPr id="2" name="Title 1">
             <a:extLst>
               <a:ext uri="{FF2B5EF4-FFF2-40B4-BE49-F238E27FC236}">
-                <a16:creationId xmlns:a16="http://schemas.microsoft.com/office/drawing/2014/main" id="{1AA31863-A42E-444E-8370-844089BDA606}"/>
+                <a16:creationId xmlns:a16="http://schemas.microsoft.com/office/drawing/2014/main" id="{0E464A64-9FB4-45D0-97A3-80FEC5EE5B2D}"/>
               </a:ext>
             </a:extLst>
           </p:cNvPr>
@@ -4211,40 +4006,86 @@
           <a:p>
             <a:r>
               <a:rPr lang="en-IE" dirty="0"/>
-              <a:t>Error Handling</a:t>
-            </a:r>
-          </a:p>
-        </p:txBody>
-      </p:sp>
-      <p:sp>
-        <p:nvSpPr>
-          <p:cNvPr id="3" name="Text Placeholder 2">
+              <a:t>Error Handling – async await</a:t>
+            </a:r>
+          </a:p>
+        </p:txBody>
+      </p:sp>
+      <p:pic>
+        <p:nvPicPr>
+          <p:cNvPr id="4" name="Content Placeholder 3">
             <a:extLst>
               <a:ext uri="{FF2B5EF4-FFF2-40B4-BE49-F238E27FC236}">
-                <a16:creationId xmlns:a16="http://schemas.microsoft.com/office/drawing/2014/main" id="{81588643-D99B-4E0B-88A4-4D568B3B3B4C}"/>
+                <a16:creationId xmlns:a16="http://schemas.microsoft.com/office/drawing/2014/main" id="{2174EF9E-3CFE-4193-80FC-8127ACBB1F55}"/>
               </a:ext>
             </a:extLst>
           </p:cNvPr>
-          <p:cNvSpPr>
-            <a:spLocks noGrp="1"/>
-          </p:cNvSpPr>
-          <p:nvPr>
-            <p:ph type="body" idx="1"/>
-          </p:nvPr>
-        </p:nvSpPr>
-        <p:spPr/>
-        <p:txBody>
-          <a:bodyPr/>
+          <p:cNvPicPr>
+            <a:picLocks noGrp="1" noChangeAspect="1"/>
+          </p:cNvPicPr>
+          <p:nvPr>
+            <p:ph idx="1"/>
+          </p:nvPr>
+        </p:nvPicPr>
+        <p:blipFill>
+          <a:blip r:embed="rId2"/>
+          <a:stretch>
+            <a:fillRect/>
+          </a:stretch>
+        </p:blipFill>
+        <p:spPr>
+          <a:xfrm>
+            <a:off x="1100570" y="2060020"/>
+            <a:ext cx="8514484" cy="4612701"/>
+          </a:xfrm>
+          <a:prstGeom prst="rect">
+            <a:avLst/>
+          </a:prstGeom>
+        </p:spPr>
+      </p:pic>
+      <p:sp>
+        <p:nvSpPr>
+          <p:cNvPr id="5" name="TextBox 4">
+            <a:extLst>
+              <a:ext uri="{FF2B5EF4-FFF2-40B4-BE49-F238E27FC236}">
+                <a16:creationId xmlns:a16="http://schemas.microsoft.com/office/drawing/2014/main" id="{EA152270-67EC-47CD-826A-08EDFD108F05}"/>
+              </a:ext>
+            </a:extLst>
+          </p:cNvPr>
+          <p:cNvSpPr txBox="1"/>
+          <p:nvPr/>
+        </p:nvSpPr>
+        <p:spPr>
+          <a:xfrm>
+            <a:off x="1246909" y="1690688"/>
+            <a:ext cx="2583078" cy="369332"/>
+          </a:xfrm>
+          <a:prstGeom prst="rect">
+            <a:avLst/>
+          </a:prstGeom>
+          <a:noFill/>
+        </p:spPr>
+        <p:txBody>
+          <a:bodyPr wrap="square" rtlCol="0">
+            <a:spAutoFit/>
+          </a:bodyPr>
           <a:lstStyle/>
           <a:p>
-            <a:endParaRPr lang="en-IE"/>
+            <a:r>
+              <a:rPr lang="en-IE" dirty="0"/>
+              <a:t>Use </a:t>
+            </a:r>
+            <a:r>
+              <a:rPr lang="en-IE" b="1" dirty="0"/>
+              <a:t>try -catch</a:t>
+            </a:r>
           </a:p>
         </p:txBody>
       </p:sp>
     </p:spTree>
     <p:extLst>
       <p:ext uri="{BB962C8B-B14F-4D97-AF65-F5344CB8AC3E}">
-        <p14:creationId xmlns:p14="http://schemas.microsoft.com/office/powerpoint/2010/main" val="3459323563"/>
+        <p14:creationId xmlns:p14="http://schemas.microsoft.com/office/powerpoint/2010/main" val="3784998401"/>
       </p:ext>
     </p:extLst>
   </p:cSld>
@@ -4276,7 +4117,7 @@
           <p:cNvPr id="2" name="Title 1">
             <a:extLst>
               <a:ext uri="{FF2B5EF4-FFF2-40B4-BE49-F238E27FC236}">
-                <a16:creationId xmlns:a16="http://schemas.microsoft.com/office/drawing/2014/main" id="{0E464A64-9FB4-45D0-97A3-80FEC5EE5B2D}"/>
+                <a16:creationId xmlns:a16="http://schemas.microsoft.com/office/drawing/2014/main" id="{57A9C045-3BAC-4F40-AFFD-1D272FDBCCFE}"/>
               </a:ext>
             </a:extLst>
           </p:cNvPr>
@@ -4294,86 +4135,40 @@
           <a:p>
             <a:r>
               <a:rPr lang="en-IE" dirty="0"/>
-              <a:t>Error Handling – async await</a:t>
-            </a:r>
-          </a:p>
-        </p:txBody>
-      </p:sp>
-      <p:pic>
-        <p:nvPicPr>
-          <p:cNvPr id="4" name="Content Placeholder 3">
+              <a:t>Further Asynchronous features…</a:t>
+            </a:r>
+          </a:p>
+        </p:txBody>
+      </p:sp>
+      <p:sp>
+        <p:nvSpPr>
+          <p:cNvPr id="3" name="Text Placeholder 2">
             <a:extLst>
               <a:ext uri="{FF2B5EF4-FFF2-40B4-BE49-F238E27FC236}">
-                <a16:creationId xmlns:a16="http://schemas.microsoft.com/office/drawing/2014/main" id="{2174EF9E-3CFE-4193-80FC-8127ACBB1F55}"/>
+                <a16:creationId xmlns:a16="http://schemas.microsoft.com/office/drawing/2014/main" id="{8FA012FE-0EE9-48EC-98A5-0E31FF927935}"/>
               </a:ext>
             </a:extLst>
           </p:cNvPr>
-          <p:cNvPicPr>
-            <a:picLocks noGrp="1" noChangeAspect="1"/>
-          </p:cNvPicPr>
-          <p:nvPr>
-            <p:ph idx="1"/>
-          </p:nvPr>
-        </p:nvPicPr>
-        <p:blipFill>
-          <a:blip r:embed="rId2"/>
-          <a:stretch>
-            <a:fillRect/>
-          </a:stretch>
-        </p:blipFill>
-        <p:spPr>
-          <a:xfrm>
-            <a:off x="1100570" y="2060020"/>
-            <a:ext cx="8514484" cy="4612701"/>
-          </a:xfrm>
-          <a:prstGeom prst="rect">
-            <a:avLst/>
-          </a:prstGeom>
-        </p:spPr>
-      </p:pic>
-      <p:sp>
-        <p:nvSpPr>
-          <p:cNvPr id="5" name="TextBox 4">
-            <a:extLst>
-              <a:ext uri="{FF2B5EF4-FFF2-40B4-BE49-F238E27FC236}">
-                <a16:creationId xmlns:a16="http://schemas.microsoft.com/office/drawing/2014/main" id="{EA152270-67EC-47CD-826A-08EDFD108F05}"/>
-              </a:ext>
-            </a:extLst>
-          </p:cNvPr>
-          <p:cNvSpPr txBox="1"/>
-          <p:nvPr/>
-        </p:nvSpPr>
-        <p:spPr>
-          <a:xfrm>
-            <a:off x="1246909" y="1690688"/>
-            <a:ext cx="2583078" cy="369332"/>
-          </a:xfrm>
-          <a:prstGeom prst="rect">
-            <a:avLst/>
-          </a:prstGeom>
-          <a:noFill/>
-        </p:spPr>
-        <p:txBody>
-          <a:bodyPr wrap="square" rtlCol="0">
-            <a:spAutoFit/>
-          </a:bodyPr>
+          <p:cNvSpPr>
+            <a:spLocks noGrp="1"/>
+          </p:cNvSpPr>
+          <p:nvPr>
+            <p:ph type="body" idx="1"/>
+          </p:nvPr>
+        </p:nvSpPr>
+        <p:spPr/>
+        <p:txBody>
+          <a:bodyPr/>
           <a:lstStyle/>
           <a:p>
-            <a:r>
-              <a:rPr lang="en-IE" dirty="0"/>
-              <a:t>Use </a:t>
-            </a:r>
-            <a:r>
-              <a:rPr lang="en-IE" b="1" dirty="0"/>
-              <a:t>try -catch</a:t>
-            </a:r>
+            <a:endParaRPr lang="en-IE"/>
           </a:p>
         </p:txBody>
       </p:sp>
     </p:spTree>
     <p:extLst>
       <p:ext uri="{BB962C8B-B14F-4D97-AF65-F5344CB8AC3E}">
-        <p14:creationId xmlns:p14="http://schemas.microsoft.com/office/powerpoint/2010/main" val="3784998401"/>
+        <p14:creationId xmlns:p14="http://schemas.microsoft.com/office/powerpoint/2010/main" val="3742225279"/>
       </p:ext>
     </p:extLst>
   </p:cSld>
@@ -4405,89 +4200,6 @@
           <p:cNvPr id="2" name="Title 1">
             <a:extLst>
               <a:ext uri="{FF2B5EF4-FFF2-40B4-BE49-F238E27FC236}">
-                <a16:creationId xmlns:a16="http://schemas.microsoft.com/office/drawing/2014/main" id="{57A9C045-3BAC-4F40-AFFD-1D272FDBCCFE}"/>
-              </a:ext>
-            </a:extLst>
-          </p:cNvPr>
-          <p:cNvSpPr>
-            <a:spLocks noGrp="1"/>
-          </p:cNvSpPr>
-          <p:nvPr>
-            <p:ph type="title"/>
-          </p:nvPr>
-        </p:nvSpPr>
-        <p:spPr/>
-        <p:txBody>
-          <a:bodyPr/>
-          <a:lstStyle/>
-          <a:p>
-            <a:r>
-              <a:rPr lang="en-IE" dirty="0"/>
-              <a:t>Further Asynchronous features…</a:t>
-            </a:r>
-          </a:p>
-        </p:txBody>
-      </p:sp>
-      <p:sp>
-        <p:nvSpPr>
-          <p:cNvPr id="3" name="Text Placeholder 2">
-            <a:extLst>
-              <a:ext uri="{FF2B5EF4-FFF2-40B4-BE49-F238E27FC236}">
-                <a16:creationId xmlns:a16="http://schemas.microsoft.com/office/drawing/2014/main" id="{8FA012FE-0EE9-48EC-98A5-0E31FF927935}"/>
-              </a:ext>
-            </a:extLst>
-          </p:cNvPr>
-          <p:cNvSpPr>
-            <a:spLocks noGrp="1"/>
-          </p:cNvSpPr>
-          <p:nvPr>
-            <p:ph type="body" idx="1"/>
-          </p:nvPr>
-        </p:nvSpPr>
-        <p:spPr/>
-        <p:txBody>
-          <a:bodyPr/>
-          <a:lstStyle/>
-          <a:p>
-            <a:endParaRPr lang="en-IE"/>
-          </a:p>
-        </p:txBody>
-      </p:sp>
-    </p:spTree>
-    <p:extLst>
-      <p:ext uri="{BB962C8B-B14F-4D97-AF65-F5344CB8AC3E}">
-        <p14:creationId xmlns:p14="http://schemas.microsoft.com/office/powerpoint/2010/main" val="3742225279"/>
-      </p:ext>
-    </p:extLst>
-  </p:cSld>
-  <p:clrMapOvr>
-    <a:masterClrMapping/>
-  </p:clrMapOvr>
-</p:sld>
-</file>
-
-<file path=ppt/slides/slide15.xml><?xml version="1.0" encoding="utf-8"?>
-<p:sld xmlns:a="http://schemas.openxmlformats.org/drawingml/2006/main" xmlns:r="http://schemas.openxmlformats.org/officeDocument/2006/relationships" xmlns:p="http://schemas.openxmlformats.org/presentationml/2006/main">
-  <p:cSld>
-    <p:spTree>
-      <p:nvGrpSpPr>
-        <p:cNvPr id="1" name=""/>
-        <p:cNvGrpSpPr/>
-        <p:nvPr/>
-      </p:nvGrpSpPr>
-      <p:grpSpPr>
-        <a:xfrm>
-          <a:off x="0" y="0"/>
-          <a:ext cx="0" cy="0"/>
-          <a:chOff x="0" y="0"/>
-          <a:chExt cx="0" cy="0"/>
-        </a:xfrm>
-      </p:grpSpPr>
-      <p:sp>
-        <p:nvSpPr>
-          <p:cNvPr id="2" name="Title 1">
-            <a:extLst>
-              <a:ext uri="{FF2B5EF4-FFF2-40B4-BE49-F238E27FC236}">
                 <a16:creationId xmlns:a16="http://schemas.microsoft.com/office/drawing/2014/main" id="{B89F1999-59F1-47FC-AF8F-D8CA66216D9B}"/>
               </a:ext>
             </a:extLst>
@@ -5295,7 +5007,7 @@
 </p:sld>
 </file>
 
-<file path=ppt/slides/slide16.xml><?xml version="1.0" encoding="utf-8"?>
+<file path=ppt/slides/slide15.xml><?xml version="1.0" encoding="utf-8"?>
 <p:sld xmlns:a="http://schemas.openxmlformats.org/drawingml/2006/main" xmlns:r="http://schemas.openxmlformats.org/officeDocument/2006/relationships" xmlns:p="http://schemas.openxmlformats.org/presentationml/2006/main">
   <p:cSld>
     <p:spTree>
@@ -5729,7 +5441,7 @@
 </p:sld>
 </file>
 
-<file path=ppt/slides/slide17.xml><?xml version="1.0" encoding="utf-8"?>
+<file path=ppt/slides/slide16.xml><?xml version="1.0" encoding="utf-8"?>
 <p:sld xmlns:a="http://schemas.openxmlformats.org/drawingml/2006/main" xmlns:r="http://schemas.openxmlformats.org/officeDocument/2006/relationships" xmlns:p="http://schemas.openxmlformats.org/presentationml/2006/main">
   <p:cSld>
     <p:spTree>
@@ -5852,402 +5564,6 @@
 </file>
 
 <file path=ppt/slides/slide2.xml><?xml version="1.0" encoding="utf-8"?>
-<p:sld xmlns:a="http://schemas.openxmlformats.org/drawingml/2006/main" xmlns:r="http://schemas.openxmlformats.org/officeDocument/2006/relationships" xmlns:p="http://schemas.openxmlformats.org/presentationml/2006/main">
-  <p:cSld>
-    <p:bg>
-      <p:bgPr>
-        <a:solidFill>
-          <a:schemeClr val="bg1">
-            <a:tint val="95000"/>
-            <a:satMod val="170000"/>
-          </a:schemeClr>
-        </a:solidFill>
-        <a:effectLst/>
-      </p:bgPr>
-    </p:bg>
-    <p:spTree>
-      <p:nvGrpSpPr>
-        <p:cNvPr id="1" name=""/>
-        <p:cNvGrpSpPr/>
-        <p:nvPr/>
-      </p:nvGrpSpPr>
-      <p:grpSpPr>
-        <a:xfrm>
-          <a:off x="0" y="0"/>
-          <a:ext cx="0" cy="0"/>
-          <a:chOff x="0" y="0"/>
-          <a:chExt cx="0" cy="0"/>
-        </a:xfrm>
-      </p:grpSpPr>
-      <p:sp>
-        <p:nvSpPr>
-          <p:cNvPr id="2" name="Title 1">
-            <a:extLst>
-              <a:ext uri="{FF2B5EF4-FFF2-40B4-BE49-F238E27FC236}">
-                <a16:creationId xmlns:a16="http://schemas.microsoft.com/office/drawing/2014/main" id="{ADDCCA81-EB91-4CFB-B837-2387BC5E061B}"/>
-              </a:ext>
-            </a:extLst>
-          </p:cNvPr>
-          <p:cNvSpPr>
-            <a:spLocks noGrp="1"/>
-          </p:cNvSpPr>
-          <p:nvPr>
-            <p:ph type="title"/>
-          </p:nvPr>
-        </p:nvSpPr>
-        <p:spPr>
-          <a:xfrm>
-            <a:off x="762001" y="803325"/>
-            <a:ext cx="5314536" cy="1325563"/>
-          </a:xfrm>
-        </p:spPr>
-        <p:txBody>
-          <a:bodyPr>
-            <a:normAutofit/>
-          </a:bodyPr>
-          <a:lstStyle/>
-          <a:p>
-            <a:r>
-              <a:rPr lang="en-IE"/>
-              <a:t>Agenda</a:t>
-            </a:r>
-            <a:endParaRPr lang="en-IE" dirty="0"/>
-          </a:p>
-        </p:txBody>
-      </p:sp>
-      <p:sp>
-        <p:nvSpPr>
-          <p:cNvPr id="3" name="Content Placeholder 2">
-            <a:extLst>
-              <a:ext uri="{FF2B5EF4-FFF2-40B4-BE49-F238E27FC236}">
-                <a16:creationId xmlns:a16="http://schemas.microsoft.com/office/drawing/2014/main" id="{A7838F84-0F37-4B01-884A-B3138CC00AF4}"/>
-              </a:ext>
-            </a:extLst>
-          </p:cNvPr>
-          <p:cNvSpPr>
-            <a:spLocks noGrp="1"/>
-          </p:cNvSpPr>
-          <p:nvPr>
-            <p:ph idx="1"/>
-          </p:nvPr>
-        </p:nvSpPr>
-        <p:spPr>
-          <a:xfrm>
-            <a:off x="762000" y="2279018"/>
-            <a:ext cx="5314543" cy="3375920"/>
-          </a:xfrm>
-        </p:spPr>
-        <p:txBody>
-          <a:bodyPr anchor="t">
-            <a:normAutofit/>
-          </a:bodyPr>
-          <a:lstStyle/>
-          <a:p>
-            <a:r>
-              <a:rPr lang="en-IE" sz="1800" dirty="0"/>
-              <a:t>Async Await</a:t>
-            </a:r>
-          </a:p>
-          <a:p>
-            <a:r>
-              <a:rPr lang="en-IE" sz="1800" dirty="0"/>
-              <a:t>Further/advanced async behaviour</a:t>
-            </a:r>
-          </a:p>
-        </p:txBody>
-      </p:sp>
-      <p:sp>
-        <p:nvSpPr>
-          <p:cNvPr id="9" name="Freeform: Shape 9">
-            <a:extLst>
-              <a:ext uri="{FF2B5EF4-FFF2-40B4-BE49-F238E27FC236}">
-                <a16:creationId xmlns:a16="http://schemas.microsoft.com/office/drawing/2014/main" id="{CF62D2A7-8207-488C-9F46-316BA81A16C8}"/>
-              </a:ext>
-              <a:ext uri="{C183D7F6-B498-43B3-948B-1728B52AA6E4}">
-                <adec:decorative xmlns:adec="http://schemas.microsoft.com/office/drawing/2017/decorative" val="1"/>
-              </a:ext>
-            </a:extLst>
-          </p:cNvPr>
-          <p:cNvSpPr>
-            <a:spLocks noGrp="1" noRot="1" noChangeAspect="1" noMove="1" noResize="1" noEditPoints="1" noAdjustHandles="1" noChangeArrowheads="1" noChangeShapeType="1" noTextEdit="1"/>
-          </p:cNvSpPr>
-          <p:nvPr>
-            <p:extLst>
-              <p:ext uri="{386F3935-93C4-4BCD-93E2-E3B085C9AB24}">
-                <p16:designElem xmlns:p16="http://schemas.microsoft.com/office/powerpoint/2015/main" val="1"/>
-              </p:ext>
-            </p:extLst>
-          </p:nvPr>
-        </p:nvSpPr>
-        <p:spPr>
-          <a:xfrm flipH="1">
-            <a:off x="6582780" y="-2008"/>
-            <a:ext cx="5609220" cy="5840278"/>
-          </a:xfrm>
-          <a:custGeom>
-            <a:avLst/>
-            <a:gdLst>
-              <a:gd name="connsiteX0" fmla="*/ 0 w 5609220"/>
-              <a:gd name="connsiteY0" fmla="*/ 0 h 5840278"/>
-              <a:gd name="connsiteX1" fmla="*/ 4637091 w 5609220"/>
-              <a:gd name="connsiteY1" fmla="*/ 0 h 5840278"/>
-              <a:gd name="connsiteX2" fmla="*/ 4822569 w 5609220"/>
-              <a:gd name="connsiteY2" fmla="*/ 204077 h 5840278"/>
-              <a:gd name="connsiteX3" fmla="*/ 5609220 w 5609220"/>
-              <a:gd name="connsiteY3" fmla="*/ 2395363 h 5840278"/>
-              <a:gd name="connsiteX4" fmla="*/ 2164305 w 5609220"/>
-              <a:gd name="connsiteY4" fmla="*/ 5840278 h 5840278"/>
-              <a:gd name="connsiteX5" fmla="*/ 238220 w 5609220"/>
-              <a:gd name="connsiteY5" fmla="*/ 5251941 h 5840278"/>
-              <a:gd name="connsiteX6" fmla="*/ 0 w 5609220"/>
-              <a:gd name="connsiteY6" fmla="*/ 5073803 h 5840278"/>
-            </a:gdLst>
-            <a:ahLst/>
-            <a:cxnLst>
-              <a:cxn ang="0">
-                <a:pos x="connsiteX0" y="connsiteY0"/>
-              </a:cxn>
-              <a:cxn ang="0">
-                <a:pos x="connsiteX1" y="connsiteY1"/>
-              </a:cxn>
-              <a:cxn ang="0">
-                <a:pos x="connsiteX2" y="connsiteY2"/>
-              </a:cxn>
-              <a:cxn ang="0">
-                <a:pos x="connsiteX3" y="connsiteY3"/>
-              </a:cxn>
-              <a:cxn ang="0">
-                <a:pos x="connsiteX4" y="connsiteY4"/>
-              </a:cxn>
-              <a:cxn ang="0">
-                <a:pos x="connsiteX5" y="connsiteY5"/>
-              </a:cxn>
-              <a:cxn ang="0">
-                <a:pos x="connsiteX6" y="connsiteY6"/>
-              </a:cxn>
-            </a:cxnLst>
-            <a:rect l="l" t="t" r="r" b="b"/>
-            <a:pathLst>
-              <a:path w="5609220" h="5840278">
-                <a:moveTo>
-                  <a:pt x="0" y="0"/>
-                </a:moveTo>
-                <a:lnTo>
-                  <a:pt x="4637091" y="0"/>
-                </a:lnTo>
-                <a:lnTo>
-                  <a:pt x="4822569" y="204077"/>
-                </a:lnTo>
-                <a:cubicBezTo>
-                  <a:pt x="5314007" y="799562"/>
-                  <a:pt x="5609220" y="1562987"/>
-                  <a:pt x="5609220" y="2395363"/>
-                </a:cubicBezTo>
-                <a:cubicBezTo>
-                  <a:pt x="5609220" y="4297937"/>
-                  <a:pt x="4066879" y="5840278"/>
-                  <a:pt x="2164305" y="5840278"/>
-                </a:cubicBezTo>
-                <a:cubicBezTo>
-                  <a:pt x="1450840" y="5840278"/>
-                  <a:pt x="788032" y="5623387"/>
-                  <a:pt x="238220" y="5251941"/>
-                </a:cubicBezTo>
-                <a:lnTo>
-                  <a:pt x="0" y="5073803"/>
-                </a:lnTo>
-                <a:close/>
-              </a:path>
-            </a:pathLst>
-          </a:custGeom>
-          <a:solidFill>
-            <a:srgbClr val="FFFFFF">
-              <a:alpha val="80000"/>
-            </a:srgbClr>
-          </a:solidFill>
-          <a:ln>
-            <a:noFill/>
-          </a:ln>
-        </p:spPr>
-        <p:style>
-          <a:lnRef idx="2">
-            <a:schemeClr val="accent1">
-              <a:shade val="50000"/>
-            </a:schemeClr>
-          </a:lnRef>
-          <a:fillRef idx="1">
-            <a:schemeClr val="accent1"/>
-          </a:fillRef>
-          <a:effectRef idx="0">
-            <a:schemeClr val="accent1"/>
-          </a:effectRef>
-          <a:fontRef idx="minor">
-            <a:schemeClr val="lt1"/>
-          </a:fontRef>
-        </p:style>
-        <p:txBody>
-          <a:bodyPr rtlCol="0" anchor="ctr"/>
-          <a:lstStyle/>
-          <a:p>
-            <a:pPr marL="0" marR="0" lvl="0" indent="0" algn="ctr" defTabSz="914400" rtl="0" eaLnBrk="1" fontAlgn="auto" latinLnBrk="0" hangingPunct="1">
-              <a:lnSpc>
-                <a:spcPct val="100000"/>
-              </a:lnSpc>
-              <a:spcBef>
-                <a:spcPts val="0"/>
-              </a:spcBef>
-              <a:spcAft>
-                <a:spcPts val="0"/>
-              </a:spcAft>
-              <a:buClrTx/>
-              <a:buSzTx/>
-              <a:buFontTx/>
-              <a:buNone/>
-              <a:tabLst/>
-              <a:defRPr/>
-            </a:pPr>
-            <a:endParaRPr kumimoji="0" lang="en-US" sz="1800" b="0" i="0" u="none" strike="noStrike" kern="1200" cap="none" spc="0" normalizeH="0" baseline="0" noProof="0">
-              <a:ln>
-                <a:noFill/>
-              </a:ln>
-              <a:solidFill>
-                <a:prstClr val="white"/>
-              </a:solidFill>
-              <a:effectLst/>
-              <a:uLnTx/>
-              <a:uFillTx/>
-              <a:latin typeface="Calibri" panose="020F0502020204030204"/>
-              <a:ea typeface="+mn-ea"/>
-              <a:cs typeface="+mn-cs"/>
-            </a:endParaRPr>
-          </a:p>
-        </p:txBody>
-      </p:sp>
-      <p:pic>
-        <p:nvPicPr>
-          <p:cNvPr id="5" name="Picture 4" descr="A picture containing plant&#10;&#10;Description automatically generated">
-            <a:extLst>
-              <a:ext uri="{FF2B5EF4-FFF2-40B4-BE49-F238E27FC236}">
-                <a16:creationId xmlns:a16="http://schemas.microsoft.com/office/drawing/2014/main" id="{73E18538-E3BF-4549-B6BB-BD199F762554}"/>
-              </a:ext>
-            </a:extLst>
-          </p:cNvPr>
-          <p:cNvPicPr>
-            <a:picLocks noChangeAspect="1"/>
-          </p:cNvPicPr>
-          <p:nvPr/>
-        </p:nvPicPr>
-        <p:blipFill rotWithShape="1">
-          <a:blip r:embed="rId2" cstate="print">
-            <a:extLst>
-              <a:ext uri="{28A0092B-C50C-407E-A947-70E740481C1C}">
-                <a14:useLocalDpi xmlns:a14="http://schemas.microsoft.com/office/drawing/2010/main" val="0"/>
-              </a:ext>
-              <a:ext uri="{837473B0-CC2E-450A-ABE3-18F120FF3D39}">
-                <a1611:picAttrSrcUrl xmlns:a1611="http://schemas.microsoft.com/office/drawing/2016/11/main" r:id="rId3"/>
-              </a:ext>
-            </a:extLst>
-          </a:blip>
-          <a:srcRect t="9204" r="-3" b="-3"/>
-          <a:stretch/>
-        </p:blipFill>
-        <p:spPr>
-          <a:xfrm>
-            <a:off x="6750141" y="-2"/>
-            <a:ext cx="5441859" cy="5654940"/>
-          </a:xfrm>
-          <a:custGeom>
-            <a:avLst/>
-            <a:gdLst>
-              <a:gd name="connsiteX0" fmla="*/ 1041368 w 5441859"/>
-              <a:gd name="connsiteY0" fmla="*/ 0 h 5654940"/>
-              <a:gd name="connsiteX1" fmla="*/ 5441859 w 5441859"/>
-              <a:gd name="connsiteY1" fmla="*/ 0 h 5654940"/>
-              <a:gd name="connsiteX2" fmla="*/ 5441859 w 5441859"/>
-              <a:gd name="connsiteY2" fmla="*/ 4820612 h 5654940"/>
-              <a:gd name="connsiteX3" fmla="*/ 5285166 w 5441859"/>
-              <a:gd name="connsiteY3" fmla="*/ 4957981 h 5654940"/>
-              <a:gd name="connsiteX4" fmla="*/ 3267719 w 5441859"/>
-              <a:gd name="connsiteY4" fmla="*/ 5654940 h 5654940"/>
-              <a:gd name="connsiteX5" fmla="*/ 0 w 5441859"/>
-              <a:gd name="connsiteY5" fmla="*/ 2387221 h 5654940"/>
-              <a:gd name="connsiteX6" fmla="*/ 957093 w 5441859"/>
-              <a:gd name="connsiteY6" fmla="*/ 76595 h 5654940"/>
-            </a:gdLst>
-            <a:ahLst/>
-            <a:cxnLst>
-              <a:cxn ang="0">
-                <a:pos x="connsiteX0" y="connsiteY0"/>
-              </a:cxn>
-              <a:cxn ang="0">
-                <a:pos x="connsiteX1" y="connsiteY1"/>
-              </a:cxn>
-              <a:cxn ang="0">
-                <a:pos x="connsiteX2" y="connsiteY2"/>
-              </a:cxn>
-              <a:cxn ang="0">
-                <a:pos x="connsiteX3" y="connsiteY3"/>
-              </a:cxn>
-              <a:cxn ang="0">
-                <a:pos x="connsiteX4" y="connsiteY4"/>
-              </a:cxn>
-              <a:cxn ang="0">
-                <a:pos x="connsiteX5" y="connsiteY5"/>
-              </a:cxn>
-              <a:cxn ang="0">
-                <a:pos x="connsiteX6" y="connsiteY6"/>
-              </a:cxn>
-            </a:cxnLst>
-            <a:rect l="l" t="t" r="r" b="b"/>
-            <a:pathLst>
-              <a:path w="5441859" h="5654940">
-                <a:moveTo>
-                  <a:pt x="1041368" y="0"/>
-                </a:moveTo>
-                <a:lnTo>
-                  <a:pt x="5441859" y="0"/>
-                </a:lnTo>
-                <a:lnTo>
-                  <a:pt x="5441859" y="4820612"/>
-                </a:lnTo>
-                <a:lnTo>
-                  <a:pt x="5285166" y="4957981"/>
-                </a:lnTo>
-                <a:cubicBezTo>
-                  <a:pt x="4729628" y="5394557"/>
-                  <a:pt x="4029081" y="5654940"/>
-                  <a:pt x="3267719" y="5654940"/>
-                </a:cubicBezTo>
-                <a:cubicBezTo>
-                  <a:pt x="1463008" y="5654940"/>
-                  <a:pt x="0" y="4191932"/>
-                  <a:pt x="0" y="2387221"/>
-                </a:cubicBezTo>
-                <a:cubicBezTo>
-                  <a:pt x="0" y="1484866"/>
-                  <a:pt x="365752" y="667936"/>
-                  <a:pt x="957093" y="76595"/>
-                </a:cubicBezTo>
-                <a:close/>
-              </a:path>
-            </a:pathLst>
-          </a:custGeom>
-        </p:spPr>
-      </p:pic>
-    </p:spTree>
-    <p:extLst>
-      <p:ext uri="{BB962C8B-B14F-4D97-AF65-F5344CB8AC3E}">
-        <p14:creationId xmlns:p14="http://schemas.microsoft.com/office/powerpoint/2010/main" val="691489244"/>
-      </p:ext>
-    </p:extLst>
-  </p:cSld>
-  <p:clrMapOvr>
-    <a:overrideClrMapping bg1="dk1" tx1="lt1" bg2="dk2" tx2="lt2" accent1="accent1" accent2="accent2" accent3="accent3" accent4="accent4" accent5="accent5" accent6="accent6" hlink="hlink" folHlink="folHlink"/>
-  </p:clrMapOvr>
-</p:sld>
-</file>
-
-<file path=ppt/slides/slide3.xml><?xml version="1.0" encoding="utf-8"?>
 <p:sld xmlns:a="http://schemas.openxmlformats.org/drawingml/2006/main" xmlns:r="http://schemas.openxmlformats.org/officeDocument/2006/relationships" xmlns:p="http://schemas.openxmlformats.org/presentationml/2006/main">
   <p:cSld>
     <p:bg>
@@ -6796,7 +6112,7 @@
 </p:sld>
 </file>
 
-<file path=ppt/slides/slide4.xml><?xml version="1.0" encoding="utf-8"?>
+<file path=ppt/slides/slide3.xml><?xml version="1.0" encoding="utf-8"?>
 <p:sld xmlns:a="http://schemas.openxmlformats.org/drawingml/2006/main" xmlns:r="http://schemas.openxmlformats.org/officeDocument/2006/relationships" xmlns:p="http://schemas.openxmlformats.org/presentationml/2006/main">
   <p:cSld>
     <p:spTree>
@@ -6840,7 +6156,7 @@
             </a:r>
             <a:r>
               <a:rPr lang="en-IE" dirty="0"/>
-              <a:t> (again)</a:t>
+              <a:t> (again!)</a:t>
             </a:r>
           </a:p>
         </p:txBody>
@@ -6883,7 +6199,7 @@
 </p:sld>
 </file>
 
-<file path=ppt/slides/slide5.xml><?xml version="1.0" encoding="utf-8"?>
+<file path=ppt/slides/slide4.xml><?xml version="1.0" encoding="utf-8"?>
 <p:sld xmlns:a="http://schemas.openxmlformats.org/drawingml/2006/main" xmlns:r="http://schemas.openxmlformats.org/officeDocument/2006/relationships" xmlns:p="http://schemas.openxmlformats.org/presentationml/2006/main">
   <p:cSld>
     <p:bg>
@@ -7572,7 +6888,7 @@
 </p:sld>
 </file>
 
-<file path=ppt/slides/slide6.xml><?xml version="1.0" encoding="utf-8"?>
+<file path=ppt/slides/slide5.xml><?xml version="1.0" encoding="utf-8"?>
 <p:sld xmlns:a="http://schemas.openxmlformats.org/drawingml/2006/main" xmlns:r="http://schemas.openxmlformats.org/officeDocument/2006/relationships" xmlns:p="http://schemas.openxmlformats.org/presentationml/2006/main">
   <p:cSld>
     <p:bg>
@@ -8242,7 +7558,7 @@
 </p:sld>
 </file>
 
-<file path=ppt/slides/slide7.xml><?xml version="1.0" encoding="utf-8"?>
+<file path=ppt/slides/slide6.xml><?xml version="1.0" encoding="utf-8"?>
 <p:sld xmlns:a="http://schemas.openxmlformats.org/drawingml/2006/main" xmlns:r="http://schemas.openxmlformats.org/officeDocument/2006/relationships" xmlns:p="http://schemas.openxmlformats.org/presentationml/2006/main">
   <p:cSld>
     <p:bg>
@@ -8550,9 +7866,17 @@
 </p:sld>
 </file>
 
-<file path=ppt/slides/slide8.xml><?xml version="1.0" encoding="utf-8"?>
+<file path=ppt/slides/slide7.xml><?xml version="1.0" encoding="utf-8"?>
 <p:sld xmlns:a="http://schemas.openxmlformats.org/drawingml/2006/main" xmlns:r="http://schemas.openxmlformats.org/officeDocument/2006/relationships" xmlns:p="http://schemas.openxmlformats.org/presentationml/2006/main">
   <p:cSld>
+    <p:bg>
+      <p:bgPr>
+        <a:solidFill>
+          <a:schemeClr val="bg1"/>
+        </a:solidFill>
+        <a:effectLst/>
+      </p:bgPr>
+    </p:bg>
     <p:spTree>
       <p:nvGrpSpPr>
         <p:cNvPr id="1" name=""/>
@@ -8567,6 +7891,160 @@
           <a:chExt cx="0" cy="0"/>
         </a:xfrm>
       </p:grpSpPr>
+      <p:sp useBgFill="1">
+        <p:nvSpPr>
+          <p:cNvPr id="10" name="Rectangle 9">
+            <a:extLst>
+              <a:ext uri="{FF2B5EF4-FFF2-40B4-BE49-F238E27FC236}">
+                <a16:creationId xmlns:a16="http://schemas.microsoft.com/office/drawing/2014/main" id="{407C9FC5-0C1E-42A8-97E6-F940775A0575}"/>
+              </a:ext>
+              <a:ext uri="{C183D7F6-B498-43B3-948B-1728B52AA6E4}">
+                <adec:decorative xmlns:adec="http://schemas.microsoft.com/office/drawing/2017/decorative" val="1"/>
+              </a:ext>
+            </a:extLst>
+          </p:cNvPr>
+          <p:cNvSpPr>
+            <a:spLocks noGrp="1" noRot="1" noChangeAspect="1" noMove="1" noResize="1" noEditPoints="1" noAdjustHandles="1" noChangeArrowheads="1" noChangeShapeType="1" noTextEdit="1"/>
+          </p:cNvSpPr>
+          <p:nvPr>
+            <p:extLst>
+              <p:ext uri="{386F3935-93C4-4BCD-93E2-E3B085C9AB24}">
+                <p16:designElem xmlns:p16="http://schemas.microsoft.com/office/powerpoint/2015/main" val="1"/>
+              </p:ext>
+            </p:extLst>
+          </p:nvPr>
+        </p:nvSpPr>
+        <p:spPr bwMode="white">
+          <a:xfrm>
+            <a:off x="0" y="0"/>
+            <a:ext cx="12192000" cy="6858000"/>
+          </a:xfrm>
+          <a:prstGeom prst="rect">
+            <a:avLst/>
+          </a:prstGeom>
+          <a:ln>
+            <a:noFill/>
+          </a:ln>
+        </p:spPr>
+        <p:style>
+          <a:lnRef idx="2">
+            <a:schemeClr val="accent1">
+              <a:shade val="50000"/>
+            </a:schemeClr>
+          </a:lnRef>
+          <a:fillRef idx="1">
+            <a:schemeClr val="accent1"/>
+          </a:fillRef>
+          <a:effectRef idx="0">
+            <a:schemeClr val="accent1"/>
+          </a:effectRef>
+          <a:fontRef idx="minor">
+            <a:schemeClr val="lt1"/>
+          </a:fontRef>
+        </p:style>
+        <p:txBody>
+          <a:bodyPr rtlCol="0" anchor="ctr"/>
+          <a:lstStyle>
+            <a:defPPr>
+              <a:defRPr lang="en-US"/>
+            </a:defPPr>
+            <a:lvl1pPr marL="0" algn="l" defTabSz="914400" rtl="0" eaLnBrk="1" latinLnBrk="0" hangingPunct="1">
+              <a:defRPr sz="1800" kern="1200">
+                <a:solidFill>
+                  <a:schemeClr val="lt1"/>
+                </a:solidFill>
+                <a:latin typeface="+mn-lt"/>
+                <a:ea typeface="+mn-ea"/>
+                <a:cs typeface="+mn-cs"/>
+              </a:defRPr>
+            </a:lvl1pPr>
+            <a:lvl2pPr marL="457200" algn="l" defTabSz="914400" rtl="0" eaLnBrk="1" latinLnBrk="0" hangingPunct="1">
+              <a:defRPr sz="1800" kern="1200">
+                <a:solidFill>
+                  <a:schemeClr val="lt1"/>
+                </a:solidFill>
+                <a:latin typeface="+mn-lt"/>
+                <a:ea typeface="+mn-ea"/>
+                <a:cs typeface="+mn-cs"/>
+              </a:defRPr>
+            </a:lvl2pPr>
+            <a:lvl3pPr marL="914400" algn="l" defTabSz="914400" rtl="0" eaLnBrk="1" latinLnBrk="0" hangingPunct="1">
+              <a:defRPr sz="1800" kern="1200">
+                <a:solidFill>
+                  <a:schemeClr val="lt1"/>
+                </a:solidFill>
+                <a:latin typeface="+mn-lt"/>
+                <a:ea typeface="+mn-ea"/>
+                <a:cs typeface="+mn-cs"/>
+              </a:defRPr>
+            </a:lvl3pPr>
+            <a:lvl4pPr marL="1371600" algn="l" defTabSz="914400" rtl="0" eaLnBrk="1" latinLnBrk="0" hangingPunct="1">
+              <a:defRPr sz="1800" kern="1200">
+                <a:solidFill>
+                  <a:schemeClr val="lt1"/>
+                </a:solidFill>
+                <a:latin typeface="+mn-lt"/>
+                <a:ea typeface="+mn-ea"/>
+                <a:cs typeface="+mn-cs"/>
+              </a:defRPr>
+            </a:lvl4pPr>
+            <a:lvl5pPr marL="1828800" algn="l" defTabSz="914400" rtl="0" eaLnBrk="1" latinLnBrk="0" hangingPunct="1">
+              <a:defRPr sz="1800" kern="1200">
+                <a:solidFill>
+                  <a:schemeClr val="lt1"/>
+                </a:solidFill>
+                <a:latin typeface="+mn-lt"/>
+                <a:ea typeface="+mn-ea"/>
+                <a:cs typeface="+mn-cs"/>
+              </a:defRPr>
+            </a:lvl5pPr>
+            <a:lvl6pPr marL="2286000" algn="l" defTabSz="914400" rtl="0" eaLnBrk="1" latinLnBrk="0" hangingPunct="1">
+              <a:defRPr sz="1800" kern="1200">
+                <a:solidFill>
+                  <a:schemeClr val="lt1"/>
+                </a:solidFill>
+                <a:latin typeface="+mn-lt"/>
+                <a:ea typeface="+mn-ea"/>
+                <a:cs typeface="+mn-cs"/>
+              </a:defRPr>
+            </a:lvl6pPr>
+            <a:lvl7pPr marL="2743200" algn="l" defTabSz="914400" rtl="0" eaLnBrk="1" latinLnBrk="0" hangingPunct="1">
+              <a:defRPr sz="1800" kern="1200">
+                <a:solidFill>
+                  <a:schemeClr val="lt1"/>
+                </a:solidFill>
+                <a:latin typeface="+mn-lt"/>
+                <a:ea typeface="+mn-ea"/>
+                <a:cs typeface="+mn-cs"/>
+              </a:defRPr>
+            </a:lvl7pPr>
+            <a:lvl8pPr marL="3200400" algn="l" defTabSz="914400" rtl="0" eaLnBrk="1" latinLnBrk="0" hangingPunct="1">
+              <a:defRPr sz="1800" kern="1200">
+                <a:solidFill>
+                  <a:schemeClr val="lt1"/>
+                </a:solidFill>
+                <a:latin typeface="+mn-lt"/>
+                <a:ea typeface="+mn-ea"/>
+                <a:cs typeface="+mn-cs"/>
+              </a:defRPr>
+            </a:lvl8pPr>
+            <a:lvl9pPr marL="3657600" algn="l" defTabSz="914400" rtl="0" eaLnBrk="1" latinLnBrk="0" hangingPunct="1">
+              <a:defRPr sz="1800" kern="1200">
+                <a:solidFill>
+                  <a:schemeClr val="lt1"/>
+                </a:solidFill>
+                <a:latin typeface="+mn-lt"/>
+                <a:ea typeface="+mn-ea"/>
+                <a:cs typeface="+mn-cs"/>
+              </a:defRPr>
+            </a:lvl9pPr>
+          </a:lstStyle>
+          <a:p>
+            <a:pPr algn="ctr"/>
+            <a:endParaRPr lang="en-US"/>
+          </a:p>
+        </p:txBody>
+      </p:sp>
       <p:sp>
         <p:nvSpPr>
           <p:cNvPr id="2" name="Title 1">
@@ -8583,24 +8061,29 @@
             <p:ph type="title"/>
           </p:nvPr>
         </p:nvSpPr>
-        <p:spPr/>
-        <p:txBody>
-          <a:bodyPr/>
+        <p:spPr>
+          <a:xfrm>
+            <a:off x="1524000" y="4218281"/>
+            <a:ext cx="4265007" cy="1885199"/>
+          </a:xfrm>
+        </p:spPr>
+        <p:txBody>
+          <a:bodyPr vert="horz" lIns="91440" tIns="45720" rIns="91440" bIns="45720" rtlCol="0" anchor="ctr">
+            <a:normAutofit/>
+          </a:bodyPr>
           <a:lstStyle/>
           <a:p>
             <a:r>
-              <a:rPr lang="en-US" err="1">
-                <a:cs typeface="Calibri Light"/>
-              </a:rPr>
-              <a:t>Async</a:t>
-            </a:r>
-            <a:r>
-              <a:rPr lang="en-US">
-                <a:cs typeface="Calibri Light"/>
-              </a:rPr>
-              <a:t> Functions</a:t>
-            </a:r>
-            <a:endParaRPr lang="en-US"/>
+              <a:rPr lang="en-US" kern="1200">
+                <a:solidFill>
+                  <a:schemeClr val="tx1"/>
+                </a:solidFill>
+                <a:latin typeface="+mj-lt"/>
+                <a:ea typeface="+mj-ea"/>
+                <a:cs typeface="+mj-cs"/>
+              </a:rPr>
+              <a:t>Async Functions</a:t>
+            </a:r>
           </a:p>
         </p:txBody>
       </p:sp>
@@ -8620,32 +8103,295 @@
             <p:ph type="body" idx="1"/>
           </p:nvPr>
         </p:nvSpPr>
-        <p:spPr/>
-        <p:txBody>
-          <a:bodyPr vert="horz" lIns="91440" tIns="45720" rIns="91440" bIns="45720" rtlCol="0" anchor="t">
+        <p:spPr>
+          <a:xfrm>
+            <a:off x="6018412" y="4218281"/>
+            <a:ext cx="4649588" cy="1885199"/>
+          </a:xfrm>
+        </p:spPr>
+        <p:txBody>
+          <a:bodyPr vert="horz" lIns="91440" tIns="45720" rIns="91440" bIns="45720" rtlCol="0" anchor="ctr">
             <a:normAutofit/>
           </a:bodyPr>
           <a:lstStyle/>
           <a:p>
             <a:r>
-              <a:rPr lang="en-US">
-                <a:cs typeface="Calibri"/>
-              </a:rPr>
-              <a:t>using </a:t>
-            </a:r>
-            <a:r>
-              <a:rPr lang="en-US" err="1">
-                <a:cs typeface="Calibri"/>
-              </a:rPr>
-              <a:t>async</a:t>
-            </a:r>
-            <a:r>
-              <a:rPr lang="en-US">
-                <a:cs typeface="Calibri"/>
-              </a:rPr>
-              <a:t>/await</a:t>
-            </a:r>
-            <a:endParaRPr lang="en-US"/>
+              <a:rPr lang="en-US" kern="1200">
+                <a:solidFill>
+                  <a:schemeClr val="tx1"/>
+                </a:solidFill>
+                <a:latin typeface="+mn-lt"/>
+                <a:ea typeface="+mn-ea"/>
+                <a:cs typeface="+mn-cs"/>
+              </a:rPr>
+              <a:t>using async/await</a:t>
+            </a:r>
+          </a:p>
+        </p:txBody>
+      </p:sp>
+      <p:pic>
+        <p:nvPicPr>
+          <p:cNvPr id="5" name="Picture 4" descr="A picture containing arrow&#10;&#10;Description automatically generated">
+            <a:extLst>
+              <a:ext uri="{FF2B5EF4-FFF2-40B4-BE49-F238E27FC236}">
+                <a16:creationId xmlns:a16="http://schemas.microsoft.com/office/drawing/2014/main" id="{8CC9D748-82EF-4485-9D07-6801DE86FE87}"/>
+              </a:ext>
+            </a:extLst>
+          </p:cNvPr>
+          <p:cNvPicPr>
+            <a:picLocks noChangeAspect="1"/>
+          </p:cNvPicPr>
+          <p:nvPr/>
+        </p:nvPicPr>
+        <p:blipFill>
+          <a:blip r:embed="rId2">
+            <a:extLst>
+              <a:ext uri="{28A0092B-C50C-407E-A947-70E740481C1C}">
+                <a14:useLocalDpi xmlns:a14="http://schemas.microsoft.com/office/drawing/2010/main" val="0"/>
+              </a:ext>
+              <a:ext uri="{837473B0-CC2E-450A-ABE3-18F120FF3D39}">
+                <a1611:picAttrSrcUrl xmlns:a1611="http://schemas.microsoft.com/office/drawing/2016/11/main" r:id="rId3"/>
+              </a:ext>
+            </a:extLst>
+          </a:blip>
+          <a:stretch>
+            <a:fillRect/>
+          </a:stretch>
+        </p:blipFill>
+        <p:spPr>
+          <a:xfrm>
+            <a:off x="830664" y="678145"/>
+            <a:ext cx="10519254" cy="3287267"/>
+          </a:xfrm>
+          <a:custGeom>
+            <a:avLst/>
+            <a:gdLst/>
+            <a:ahLst/>
+            <a:cxnLst/>
+            <a:rect l="l" t="t" r="r" b="b"/>
+            <a:pathLst>
+              <a:path w="10823796" h="3287267">
+                <a:moveTo>
+                  <a:pt x="98881" y="0"/>
+                </a:moveTo>
+                <a:lnTo>
+                  <a:pt x="10724915" y="0"/>
+                </a:lnTo>
+                <a:cubicBezTo>
+                  <a:pt x="10779525" y="0"/>
+                  <a:pt x="10823796" y="44271"/>
+                  <a:pt x="10823796" y="98881"/>
+                </a:cubicBezTo>
+                <a:lnTo>
+                  <a:pt x="10823796" y="3188386"/>
+                </a:lnTo>
+                <a:cubicBezTo>
+                  <a:pt x="10823796" y="3242996"/>
+                  <a:pt x="10779525" y="3287267"/>
+                  <a:pt x="10724915" y="3287267"/>
+                </a:cubicBezTo>
+                <a:lnTo>
+                  <a:pt x="98881" y="3287267"/>
+                </a:lnTo>
+                <a:cubicBezTo>
+                  <a:pt x="44271" y="3287267"/>
+                  <a:pt x="0" y="3242996"/>
+                  <a:pt x="0" y="3188386"/>
+                </a:cubicBezTo>
+                <a:lnTo>
+                  <a:pt x="0" y="98881"/>
+                </a:lnTo>
+                <a:cubicBezTo>
+                  <a:pt x="0" y="44271"/>
+                  <a:pt x="44271" y="0"/>
+                  <a:pt x="98881" y="0"/>
+                </a:cubicBezTo>
+                <a:close/>
+              </a:path>
+            </a:pathLst>
+          </a:custGeom>
+        </p:spPr>
+      </p:pic>
+      <p:sp>
+        <p:nvSpPr>
+          <p:cNvPr id="12" name="Oval 11">
+            <a:extLst>
+              <a:ext uri="{FF2B5EF4-FFF2-40B4-BE49-F238E27FC236}">
+                <a16:creationId xmlns:a16="http://schemas.microsoft.com/office/drawing/2014/main" id="{9EE371B4-A1D9-4EFE-8FE1-000495831EFA}"/>
+              </a:ext>
+              <a:ext uri="{C183D7F6-B498-43B3-948B-1728B52AA6E4}">
+                <adec:decorative xmlns:adec="http://schemas.microsoft.com/office/drawing/2017/decorative" val="1"/>
+              </a:ext>
+            </a:extLst>
+          </p:cNvPr>
+          <p:cNvSpPr>
+            <a:spLocks noGrp="1" noRot="1" noChangeAspect="1" noMove="1" noResize="1" noEditPoints="1" noAdjustHandles="1" noChangeArrowheads="1" noChangeShapeType="1" noTextEdit="1"/>
+          </p:cNvSpPr>
+          <p:nvPr>
+            <p:extLst>
+              <p:ext uri="{386F3935-93C4-4BCD-93E2-E3B085C9AB24}">
+                <p16:designElem xmlns:p16="http://schemas.microsoft.com/office/powerpoint/2015/main" val="1"/>
+              </p:ext>
+            </p:extLst>
+          </p:nvPr>
+        </p:nvSpPr>
+        <p:spPr>
+          <a:xfrm>
+            <a:off x="813617" y="4218281"/>
+            <a:ext cx="546100" cy="546100"/>
+          </a:xfrm>
+          <a:prstGeom prst="ellipse">
+            <a:avLst/>
+          </a:prstGeom>
+          <a:solidFill>
+            <a:schemeClr val="accent5"/>
+          </a:solidFill>
+          <a:ln>
+            <a:noFill/>
+          </a:ln>
+        </p:spPr>
+        <p:style>
+          <a:lnRef idx="2">
+            <a:schemeClr val="accent1">
+              <a:shade val="50000"/>
+            </a:schemeClr>
+          </a:lnRef>
+          <a:fillRef idx="1">
+            <a:schemeClr val="accent1"/>
+          </a:fillRef>
+          <a:effectRef idx="0">
+            <a:schemeClr val="accent1"/>
+          </a:effectRef>
+          <a:fontRef idx="minor">
+            <a:schemeClr val="lt1"/>
+          </a:fontRef>
+        </p:style>
+        <p:txBody>
+          <a:bodyPr rtlCol="0" anchor="ctr"/>
+          <a:lstStyle/>
+          <a:p>
+            <a:pPr marL="0" marR="0" lvl="0" indent="0" algn="ctr" defTabSz="914400" rtl="0" eaLnBrk="1" fontAlgn="auto" latinLnBrk="0" hangingPunct="1">
+              <a:lnSpc>
+                <a:spcPct val="100000"/>
+              </a:lnSpc>
+              <a:spcBef>
+                <a:spcPts val="0"/>
+              </a:spcBef>
+              <a:spcAft>
+                <a:spcPts val="0"/>
+              </a:spcAft>
+              <a:buClrTx/>
+              <a:buSzTx/>
+              <a:buFontTx/>
+              <a:buNone/>
+              <a:tabLst/>
+              <a:defRPr/>
+            </a:pPr>
+            <a:endParaRPr kumimoji="0" lang="en-US" sz="1800" b="0" i="0" u="none" strike="noStrike" kern="1200" cap="none" spc="0" normalizeH="0" baseline="0" noProof="0">
+              <a:solidFill>
+                <a:schemeClr val="accent5"/>
+              </a:solidFill>
+              <a:effectLst/>
+              <a:uLnTx/>
+              <a:uFillTx/>
+              <a:latin typeface="Calibri" panose="020F0502020204030204"/>
+              <a:ea typeface="+mn-ea"/>
+              <a:cs typeface="+mn-cs"/>
+            </a:endParaRPr>
+          </a:p>
+        </p:txBody>
+      </p:sp>
+      <p:sp>
+        <p:nvSpPr>
+          <p:cNvPr id="14" name="Arc 13">
+            <a:extLst>
+              <a:ext uri="{FF2B5EF4-FFF2-40B4-BE49-F238E27FC236}">
+                <a16:creationId xmlns:a16="http://schemas.microsoft.com/office/drawing/2014/main" id="{2E19C174-9C7C-461E-970B-432019901562}"/>
+              </a:ext>
+              <a:ext uri="{C183D7F6-B498-43B3-948B-1728B52AA6E4}">
+                <adec:decorative xmlns:adec="http://schemas.microsoft.com/office/drawing/2017/decorative" val="1"/>
+              </a:ext>
+            </a:extLst>
+          </p:cNvPr>
+          <p:cNvSpPr>
+            <a:spLocks noGrp="1" noRot="1" noChangeAspect="1" noMove="1" noResize="1" noEditPoints="1" noAdjustHandles="1" noChangeArrowheads="1" noChangeShapeType="1" noTextEdit="1"/>
+          </p:cNvSpPr>
+          <p:nvPr>
+            <p:extLst>
+              <p:ext uri="{386F3935-93C4-4BCD-93E2-E3B085C9AB24}">
+                <p16:designElem xmlns:p16="http://schemas.microsoft.com/office/powerpoint/2015/main" val="1"/>
+              </p:ext>
+            </p:extLst>
+          </p:nvPr>
+        </p:nvSpPr>
+        <p:spPr>
+          <a:xfrm>
+            <a:off x="8038539" y="3295432"/>
+            <a:ext cx="2987899" cy="2987899"/>
+          </a:xfrm>
+          <a:prstGeom prst="arc">
+            <a:avLst>
+              <a:gd name="adj1" fmla="val 14441841"/>
+              <a:gd name="adj2" fmla="val 0"/>
+            </a:avLst>
+          </a:prstGeom>
+          <a:ln w="127000" cap="rnd">
+            <a:solidFill>
+              <a:schemeClr val="accent4"/>
+            </a:solidFill>
+            <a:prstDash val="dash"/>
+            <a:miter lim="800000"/>
+          </a:ln>
+        </p:spPr>
+        <p:style>
+          <a:lnRef idx="1">
+            <a:schemeClr val="accent1"/>
+          </a:lnRef>
+          <a:fillRef idx="0">
+            <a:schemeClr val="accent1"/>
+          </a:fillRef>
+          <a:effectRef idx="0">
+            <a:schemeClr val="accent1"/>
+          </a:effectRef>
+          <a:fontRef idx="minor">
+            <a:schemeClr val="tx1"/>
+          </a:fontRef>
+        </p:style>
+        <p:txBody>
+          <a:bodyPr rtlCol="0" anchor="ctr"/>
+          <a:lstStyle/>
+          <a:p>
+            <a:pPr marL="0" marR="0" lvl="0" indent="0" algn="ctr" defTabSz="914400" rtl="0" eaLnBrk="1" fontAlgn="auto" latinLnBrk="0" hangingPunct="1">
+              <a:lnSpc>
+                <a:spcPct val="100000"/>
+              </a:lnSpc>
+              <a:spcBef>
+                <a:spcPts val="0"/>
+              </a:spcBef>
+              <a:spcAft>
+                <a:spcPts val="0"/>
+              </a:spcAft>
+              <a:buClrTx/>
+              <a:buSzTx/>
+              <a:buFontTx/>
+              <a:buNone/>
+              <a:tabLst/>
+              <a:defRPr/>
+            </a:pPr>
+            <a:endParaRPr kumimoji="0" lang="en-US" sz="1800" b="0" i="0" u="none" strike="noStrike" kern="1200" cap="none" spc="0" normalizeH="0" baseline="0" noProof="0">
+              <a:ln>
+                <a:noFill/>
+              </a:ln>
+              <a:solidFill>
+                <a:srgbClr val="000000"/>
+              </a:solidFill>
+              <a:effectLst/>
+              <a:uLnTx/>
+              <a:uFillTx/>
+              <a:latin typeface="Calibri" panose="020F0502020204030204"/>
+              <a:ea typeface="+mn-ea"/>
+              <a:cs typeface="+mn-cs"/>
+            </a:endParaRPr>
           </a:p>
         </p:txBody>
       </p:sp>
@@ -8662,7 +8408,7 @@
 </p:sld>
 </file>
 
-<file path=ppt/slides/slide9.xml><?xml version="1.0" encoding="utf-8"?>
+<file path=ppt/slides/slide8.xml><?xml version="1.0" encoding="utf-8"?>
 <p:sld xmlns:a="http://schemas.openxmlformats.org/drawingml/2006/main" xmlns:r="http://schemas.openxmlformats.org/officeDocument/2006/relationships" xmlns:p="http://schemas.openxmlformats.org/presentationml/2006/main">
   <p:cSld>
     <p:bg>
@@ -9338,6 +9084,293 @@
         </p:cTn>
       </p:par>
     </p:tnLst>
+  </p:timing>
+</p:sld>
+</file>
+
+<file path=ppt/slides/slide9.xml><?xml version="1.0" encoding="utf-8"?>
+<p:sld xmlns:a="http://schemas.openxmlformats.org/drawingml/2006/main" xmlns:r="http://schemas.openxmlformats.org/officeDocument/2006/relationships" xmlns:p="http://schemas.openxmlformats.org/presentationml/2006/main">
+  <p:cSld>
+    <p:spTree>
+      <p:nvGrpSpPr>
+        <p:cNvPr id="1" name=""/>
+        <p:cNvGrpSpPr/>
+        <p:nvPr/>
+      </p:nvGrpSpPr>
+      <p:grpSpPr>
+        <a:xfrm>
+          <a:off x="0" y="0"/>
+          <a:ext cx="0" cy="0"/>
+          <a:chOff x="0" y="0"/>
+          <a:chExt cx="0" cy="0"/>
+        </a:xfrm>
+      </p:grpSpPr>
+      <p:sp>
+        <p:nvSpPr>
+          <p:cNvPr id="2" name="Title 1">
+            <a:extLst>
+              <a:ext uri="{FF2B5EF4-FFF2-40B4-BE49-F238E27FC236}">
+                <a16:creationId xmlns:a16="http://schemas.microsoft.com/office/drawing/2014/main" id="{11ED0235-D0E2-40A5-9293-06166D553900}"/>
+              </a:ext>
+            </a:extLst>
+          </p:cNvPr>
+          <p:cNvSpPr>
+            <a:spLocks noGrp="1"/>
+          </p:cNvSpPr>
+          <p:nvPr>
+            <p:ph type="title"/>
+          </p:nvPr>
+        </p:nvSpPr>
+        <p:spPr/>
+        <p:txBody>
+          <a:bodyPr/>
+          <a:lstStyle/>
+          <a:p>
+            <a:r>
+              <a:rPr lang="en-IE" dirty="0"/>
+              <a:t>Async/Await Sequential read</a:t>
+            </a:r>
+          </a:p>
+        </p:txBody>
+      </p:sp>
+      <p:pic>
+        <p:nvPicPr>
+          <p:cNvPr id="4" name="Picture 3">
+            <a:extLst>
+              <a:ext uri="{FF2B5EF4-FFF2-40B4-BE49-F238E27FC236}">
+                <a16:creationId xmlns:a16="http://schemas.microsoft.com/office/drawing/2014/main" id="{E2A15125-516B-4B1F-BBCB-2346467E3CB3}"/>
+              </a:ext>
+            </a:extLst>
+          </p:cNvPr>
+          <p:cNvPicPr>
+            <a:picLocks noChangeAspect="1"/>
+          </p:cNvPicPr>
+          <p:nvPr/>
+        </p:nvPicPr>
+        <p:blipFill>
+          <a:blip r:embed="rId2"/>
+          <a:stretch>
+            <a:fillRect/>
+          </a:stretch>
+        </p:blipFill>
+        <p:spPr>
+          <a:xfrm>
+            <a:off x="117764" y="1690688"/>
+            <a:ext cx="8687066" cy="4857605"/>
+          </a:xfrm>
+          <a:prstGeom prst="rect">
+            <a:avLst/>
+          </a:prstGeom>
+        </p:spPr>
+      </p:pic>
+      <p:pic>
+        <p:nvPicPr>
+          <p:cNvPr id="5" name="Picture 4">
+            <a:extLst>
+              <a:ext uri="{FF2B5EF4-FFF2-40B4-BE49-F238E27FC236}">
+                <a16:creationId xmlns:a16="http://schemas.microsoft.com/office/drawing/2014/main" id="{89F86DEB-DFE5-489D-8E28-B06E1BC95A4B}"/>
+              </a:ext>
+            </a:extLst>
+          </p:cNvPr>
+          <p:cNvPicPr>
+            <a:picLocks noChangeAspect="1"/>
+          </p:cNvPicPr>
+          <p:nvPr/>
+        </p:nvPicPr>
+        <p:blipFill rotWithShape="1">
+          <a:blip r:embed="rId3"/>
+          <a:srcRect r="51606"/>
+          <a:stretch/>
+        </p:blipFill>
+        <p:spPr>
+          <a:xfrm>
+            <a:off x="9778711" y="2806844"/>
+            <a:ext cx="2295525" cy="2352675"/>
+          </a:xfrm>
+          <a:prstGeom prst="rect">
+            <a:avLst/>
+          </a:prstGeom>
+        </p:spPr>
+      </p:pic>
+      <p:sp>
+        <p:nvSpPr>
+          <p:cNvPr id="6" name="Arrow: Right 5">
+            <a:extLst>
+              <a:ext uri="{FF2B5EF4-FFF2-40B4-BE49-F238E27FC236}">
+                <a16:creationId xmlns:a16="http://schemas.microsoft.com/office/drawing/2014/main" id="{DFBDE435-B482-4D48-B55E-6EB07E7657D2}"/>
+              </a:ext>
+            </a:extLst>
+          </p:cNvPr>
+          <p:cNvSpPr/>
+          <p:nvPr/>
+        </p:nvSpPr>
+        <p:spPr>
+          <a:xfrm>
+            <a:off x="8456815" y="3345873"/>
+            <a:ext cx="1321896" cy="1143000"/>
+          </a:xfrm>
+          <a:prstGeom prst="rightArrow">
+            <a:avLst/>
+          </a:prstGeom>
+        </p:spPr>
+        <p:style>
+          <a:lnRef idx="2">
+            <a:schemeClr val="accent1">
+              <a:shade val="50000"/>
+            </a:schemeClr>
+          </a:lnRef>
+          <a:fillRef idx="1">
+            <a:schemeClr val="accent1"/>
+          </a:fillRef>
+          <a:effectRef idx="0">
+            <a:schemeClr val="accent1"/>
+          </a:effectRef>
+          <a:fontRef idx="minor">
+            <a:schemeClr val="lt1"/>
+          </a:fontRef>
+        </p:style>
+        <p:txBody>
+          <a:bodyPr rtlCol="0" anchor="ctr"/>
+          <a:lstStyle/>
+          <a:p>
+            <a:pPr algn="ctr"/>
+            <a:r>
+              <a:rPr lang="en-IE" dirty="0"/>
+              <a:t>output</a:t>
+            </a:r>
+          </a:p>
+        </p:txBody>
+      </p:sp>
+    </p:spTree>
+    <p:extLst>
+      <p:ext uri="{BB962C8B-B14F-4D97-AF65-F5344CB8AC3E}">
+        <p14:creationId xmlns:p14="http://schemas.microsoft.com/office/powerpoint/2010/main" val="862183741"/>
+      </p:ext>
+    </p:extLst>
+  </p:cSld>
+  <p:clrMapOvr>
+    <a:masterClrMapping/>
+  </p:clrMapOvr>
+  <p:timing>
+    <p:tnLst>
+      <p:par>
+        <p:cTn id="1" dur="indefinite" restart="never" nodeType="tmRoot">
+          <p:childTnLst>
+            <p:seq concurrent="1" nextAc="seek">
+              <p:cTn id="2" dur="indefinite" nodeType="mainSeq">
+                <p:childTnLst>
+                  <p:par>
+                    <p:cTn id="3" fill="hold">
+                      <p:stCondLst>
+                        <p:cond delay="indefinite"/>
+                      </p:stCondLst>
+                      <p:childTnLst>
+                        <p:par>
+                          <p:cTn id="4" fill="hold">
+                            <p:stCondLst>
+                              <p:cond delay="0"/>
+                            </p:stCondLst>
+                            <p:childTnLst>
+                              <p:par>
+                                <p:cTn id="5" presetID="10" presetClass="entr" presetSubtype="0" fill="hold" grpId="0" nodeType="clickEffect">
+                                  <p:stCondLst>
+                                    <p:cond delay="0"/>
+                                  </p:stCondLst>
+                                  <p:childTnLst>
+                                    <p:set>
+                                      <p:cBhvr>
+                                        <p:cTn id="6" dur="1" fill="hold">
+                                          <p:stCondLst>
+                                            <p:cond delay="0"/>
+                                          </p:stCondLst>
+                                        </p:cTn>
+                                        <p:tgtEl>
+                                          <p:spTgt spid="6"/>
+                                        </p:tgtEl>
+                                        <p:attrNameLst>
+                                          <p:attrName>style.visibility</p:attrName>
+                                        </p:attrNameLst>
+                                      </p:cBhvr>
+                                      <p:to>
+                                        <p:strVal val="visible"/>
+                                      </p:to>
+                                    </p:set>
+                                    <p:animEffect transition="in" filter="fade">
+                                      <p:cBhvr>
+                                        <p:cTn id="7" dur="500"/>
+                                        <p:tgtEl>
+                                          <p:spTgt spid="6"/>
+                                        </p:tgtEl>
+                                      </p:cBhvr>
+                                    </p:animEffect>
+                                  </p:childTnLst>
+                                </p:cTn>
+                              </p:par>
+                              <p:par>
+                                <p:cTn id="8" presetID="10" presetClass="entr" presetSubtype="0" fill="hold" nodeType="withEffect">
+                                  <p:stCondLst>
+                                    <p:cond delay="0"/>
+                                  </p:stCondLst>
+                                  <p:childTnLst>
+                                    <p:set>
+                                      <p:cBhvr>
+                                        <p:cTn id="9" dur="1" fill="hold">
+                                          <p:stCondLst>
+                                            <p:cond delay="0"/>
+                                          </p:stCondLst>
+                                        </p:cTn>
+                                        <p:tgtEl>
+                                          <p:spTgt spid="5"/>
+                                        </p:tgtEl>
+                                        <p:attrNameLst>
+                                          <p:attrName>style.visibility</p:attrName>
+                                        </p:attrNameLst>
+                                      </p:cBhvr>
+                                      <p:to>
+                                        <p:strVal val="visible"/>
+                                      </p:to>
+                                    </p:set>
+                                    <p:animEffect transition="in" filter="fade">
+                                      <p:cBhvr>
+                                        <p:cTn id="10" dur="500"/>
+                                        <p:tgtEl>
+                                          <p:spTgt spid="5"/>
+                                        </p:tgtEl>
+                                      </p:cBhvr>
+                                    </p:animEffect>
+                                  </p:childTnLst>
+                                </p:cTn>
+                              </p:par>
+                            </p:childTnLst>
+                          </p:cTn>
+                        </p:par>
+                      </p:childTnLst>
+                    </p:cTn>
+                  </p:par>
+                </p:childTnLst>
+              </p:cTn>
+              <p:prevCondLst>
+                <p:cond evt="onPrev" delay="0">
+                  <p:tgtEl>
+                    <p:sldTgt/>
+                  </p:tgtEl>
+                </p:cond>
+              </p:prevCondLst>
+              <p:nextCondLst>
+                <p:cond evt="onNext" delay="0">
+                  <p:tgtEl>
+                    <p:sldTgt/>
+                  </p:tgtEl>
+                </p:cond>
+              </p:nextCondLst>
+            </p:seq>
+          </p:childTnLst>
+        </p:cTn>
+      </p:par>
+    </p:tnLst>
+    <p:bldLst>
+      <p:bldP spid="6" grpId="0" animBg="1"/>
+    </p:bldLst>
   </p:timing>
 </p:sld>
 </file>
